--- a/docs/2026/OE-IUT2020_slides_20260119.pptx
+++ b/docs/2026/OE-IUT2020_slides_20260119.pptx
@@ -15673,7 +15673,7 @@
 </file>
 
 <file path=ppt/slides/slide8.xml><?xml version="1.0" encoding="utf-8"?>
-<p:sld xmlns:a="http://schemas.openxmlformats.org/drawingml/2006/main" xmlns:r="http://schemas.openxmlformats.org/officeDocument/2006/relationships" xmlns:p="http://schemas.openxmlformats.org/presentationml/2006/main">
+<p:sld xmlns:a="http://schemas.openxmlformats.org/drawingml/2006/main" xmlns:r="http://schemas.openxmlformats.org/officeDocument/2006/relationships" xmlns:p="http://schemas.openxmlformats.org/presentationml/2006/main" show="0">
   <p:cSld>
     <p:spTree>
       <p:nvGrpSpPr>
